--- a/Communication Protocol.pptx
+++ b/Communication Protocol.pptx
@@ -5,10 +5,10 @@
     <p:sldMasterId id="2147483648" r:id="rId1"/>
   </p:sldMasterIdLst>
   <p:notesMasterIdLst>
-    <p:notesMasterId r:id="rId14"/>
+    <p:notesMasterId r:id="rId15"/>
   </p:notesMasterIdLst>
   <p:handoutMasterIdLst>
-    <p:handoutMasterId r:id="rId15"/>
+    <p:handoutMasterId r:id="rId16"/>
   </p:handoutMasterIdLst>
   <p:sldIdLst>
     <p:sldId id="258" r:id="rId2"/>
@@ -23,6 +23,7 @@
     <p:sldId id="272" r:id="rId11"/>
     <p:sldId id="273" r:id="rId12"/>
     <p:sldId id="274" r:id="rId13"/>
+    <p:sldId id="280" r:id="rId14"/>
   </p:sldIdLst>
   <p:sldSz cx="12192000" cy="6858000"/>
   <p:notesSz cx="6858000" cy="9144000"/>
@@ -214,7 +215,7 @@
           <a:p>
             <a:fld id="{CEEBDA6D-DC69-4DCE-BAF7-6763517D3376}" type="datetimeFigureOut">
               <a:rPr lang="en-US"/>
-              <a:t>3/17/2021</a:t>
+              <a:t>3/22/2021</a:t>
             </a:fld>
             <a:endParaRPr/>
           </a:p>
@@ -379,7 +380,7 @@
           <a:p>
             <a:fld id="{237F6C43-988E-4257-9A1C-C162EF036D58}" type="datetimeFigureOut">
               <a:rPr lang="en-US"/>
-              <a:t>3/17/2021</a:t>
+              <a:t>3/22/2021</a:t>
             </a:fld>
             <a:endParaRPr/>
           </a:p>
@@ -897,7 +898,7 @@
             <a:fld id="{2CCFE9AC-F15C-4FA0-A6F1-298829FA691D}" type="datetimeFigureOut">
               <a:rPr lang="en-US" smtClean="0"/>
               <a:pPr/>
-              <a:t>3/17/2021</a:t>
+              <a:t>3/22/2021</a:t>
             </a:fld>
             <a:endParaRPr lang="en-US" dirty="0"/>
           </a:p>
@@ -1096,7 +1097,7 @@
           <a:p>
             <a:fld id="{2CCFE9AC-F15C-4FA0-A6F1-298829FA691D}" type="datetimeFigureOut">
               <a:rPr lang="en-US"/>
-              <a:t>3/17/2021</a:t>
+              <a:t>3/22/2021</a:t>
             </a:fld>
             <a:endParaRPr/>
           </a:p>
@@ -1366,7 +1367,7 @@
           <a:p>
             <a:fld id="{2CCFE9AC-F15C-4FA0-A6F1-298829FA691D}" type="datetimeFigureOut">
               <a:rPr lang="en-US"/>
-              <a:t>3/17/2021</a:t>
+              <a:t>3/22/2021</a:t>
             </a:fld>
             <a:endParaRPr/>
           </a:p>
@@ -1558,7 +1559,7 @@
           <a:p>
             <a:fld id="{2CCFE9AC-F15C-4FA0-A6F1-298829FA691D}" type="datetimeFigureOut">
               <a:rPr lang="en-US"/>
-              <a:t>3/17/2021</a:t>
+              <a:t>3/22/2021</a:t>
             </a:fld>
             <a:endParaRPr/>
           </a:p>
@@ -1941,7 +1942,7 @@
             <a:fld id="{2CCFE9AC-F15C-4FA0-A6F1-298829FA691D}" type="datetimeFigureOut">
               <a:rPr lang="en-US" smtClean="0"/>
               <a:pPr/>
-              <a:t>3/17/2021</a:t>
+              <a:t>3/22/2021</a:t>
             </a:fld>
             <a:endParaRPr lang="en-US"/>
           </a:p>
@@ -2202,7 +2203,7 @@
           <a:p>
             <a:fld id="{2CCFE9AC-F15C-4FA0-A6F1-298829FA691D}" type="datetimeFigureOut">
               <a:rPr lang="en-US"/>
-              <a:t>3/17/2021</a:t>
+              <a:t>3/22/2021</a:t>
             </a:fld>
             <a:endParaRPr/>
           </a:p>
@@ -2576,7 +2577,7 @@
           <a:p>
             <a:fld id="{2CCFE9AC-F15C-4FA0-A6F1-298829FA691D}" type="datetimeFigureOut">
               <a:rPr lang="en-US"/>
-              <a:t>3/17/2021</a:t>
+              <a:t>3/22/2021</a:t>
             </a:fld>
             <a:endParaRPr/>
           </a:p>
@@ -2706,7 +2707,7 @@
           <a:p>
             <a:fld id="{2CCFE9AC-F15C-4FA0-A6F1-298829FA691D}" type="datetimeFigureOut">
               <a:rPr lang="en-US"/>
-              <a:t>3/17/2021</a:t>
+              <a:t>3/22/2021</a:t>
             </a:fld>
             <a:endParaRPr/>
           </a:p>
@@ -2813,7 +2814,7 @@
           <a:p>
             <a:fld id="{2CCFE9AC-F15C-4FA0-A6F1-298829FA691D}" type="datetimeFigureOut">
               <a:rPr lang="en-US"/>
-              <a:t>3/17/2021</a:t>
+              <a:t>3/22/2021</a:t>
             </a:fld>
             <a:endParaRPr/>
           </a:p>
@@ -3106,7 +3107,7 @@
           <a:p>
             <a:fld id="{2CCFE9AC-F15C-4FA0-A6F1-298829FA691D}" type="datetimeFigureOut">
               <a:rPr lang="en-US"/>
-              <a:t>3/17/2021</a:t>
+              <a:t>3/22/2021</a:t>
             </a:fld>
             <a:endParaRPr/>
           </a:p>
@@ -3376,7 +3377,7 @@
           <a:p>
             <a:fld id="{2CCFE9AC-F15C-4FA0-A6F1-298829FA691D}" type="datetimeFigureOut">
               <a:rPr lang="en-US"/>
-              <a:t>3/17/2021</a:t>
+              <a:t>3/22/2021</a:t>
             </a:fld>
             <a:endParaRPr/>
           </a:p>
@@ -3673,7 +3674,7 @@
             <a:fld id="{2CCFE9AC-F15C-4FA0-A6F1-298829FA691D}" type="datetimeFigureOut">
               <a:rPr lang="en-US" smtClean="0"/>
               <a:pPr/>
-              <a:t>3/17/2021</a:t>
+              <a:t>3/22/2021</a:t>
             </a:fld>
             <a:endParaRPr lang="en-US" dirty="0"/>
           </a:p>
@@ -4637,6 +4638,183 @@
 </p:sld>
 </file>
 
+<file path=ppt/slides/slide13.xml><?xml version="1.0" encoding="utf-8"?>
+<p:sld xmlns:a="http://schemas.openxmlformats.org/drawingml/2006/main" xmlns:r="http://schemas.openxmlformats.org/officeDocument/2006/relationships" xmlns:p="http://schemas.openxmlformats.org/presentationml/2006/main">
+  <p:cSld>
+    <p:spTree>
+      <p:nvGrpSpPr>
+        <p:cNvPr id="1" name=""/>
+        <p:cNvGrpSpPr/>
+        <p:nvPr/>
+      </p:nvGrpSpPr>
+      <p:grpSpPr>
+        <a:xfrm>
+          <a:off x="0" y="0"/>
+          <a:ext cx="0" cy="0"/>
+          <a:chOff x="0" y="0"/>
+          <a:chExt cx="0" cy="0"/>
+        </a:xfrm>
+      </p:grpSpPr>
+      <p:sp>
+        <p:nvSpPr>
+          <p:cNvPr id="2" name="Title 1">
+            <a:extLst>
+              <a:ext uri="{FF2B5EF4-FFF2-40B4-BE49-F238E27FC236}">
+                <a16:creationId xmlns:a16="http://schemas.microsoft.com/office/drawing/2014/main" id="{24C96410-3219-4B2C-8576-98DC167AA774}"/>
+              </a:ext>
+            </a:extLst>
+          </p:cNvPr>
+          <p:cNvSpPr>
+            <a:spLocks noGrp="1"/>
+          </p:cNvSpPr>
+          <p:nvPr>
+            <p:ph type="title"/>
+          </p:nvPr>
+        </p:nvSpPr>
+        <p:spPr>
+          <a:xfrm>
+            <a:off x="632090" y="681038"/>
+            <a:ext cx="9628632" cy="1362113"/>
+          </a:xfrm>
+        </p:spPr>
+        <p:txBody>
+          <a:bodyPr/>
+          <a:lstStyle/>
+          <a:p>
+            <a:r>
+              <a:rPr lang="en-MY" b="1" dirty="0"/>
+              <a:t>NMEA communication</a:t>
+            </a:r>
+            <a:br>
+              <a:rPr lang="en-MY" b="1" dirty="0"/>
+            </a:br>
+            <a:endParaRPr lang="en-MY" dirty="0"/>
+          </a:p>
+        </p:txBody>
+      </p:sp>
+      <p:sp>
+        <p:nvSpPr>
+          <p:cNvPr id="3" name="Content Placeholder 2">
+            <a:extLst>
+              <a:ext uri="{FF2B5EF4-FFF2-40B4-BE49-F238E27FC236}">
+                <a16:creationId xmlns:a16="http://schemas.microsoft.com/office/drawing/2014/main" id="{E83D59B7-6830-4C1B-81DD-2B167E337092}"/>
+              </a:ext>
+            </a:extLst>
+          </p:cNvPr>
+          <p:cNvSpPr>
+            <a:spLocks noGrp="1"/>
+          </p:cNvSpPr>
+          <p:nvPr>
+            <p:ph idx="1"/>
+          </p:nvPr>
+        </p:nvSpPr>
+        <p:spPr>
+          <a:xfrm>
+            <a:off x="401090" y="2014434"/>
+            <a:ext cx="11389819" cy="4519695"/>
+          </a:xfrm>
+        </p:spPr>
+        <p:txBody>
+          <a:bodyPr>
+            <a:normAutofit fontScale="77500" lnSpcReduction="20000"/>
+          </a:bodyPr>
+          <a:lstStyle/>
+          <a:p>
+            <a:r>
+              <a:rPr lang="en-US" dirty="0"/>
+              <a:t>NMEA has 2 main protocols:</a:t>
+            </a:r>
+          </a:p>
+          <a:p>
+            <a:pPr lvl="1">
+              <a:buFont typeface="Arial" panose="020B0604020202020204" pitchFamily="34" charset="0"/>
+              <a:buChar char="•"/>
+            </a:pPr>
+            <a:r>
+              <a:rPr lang="en-US" dirty="0"/>
+              <a:t>NMEA 0183</a:t>
+            </a:r>
+          </a:p>
+          <a:p>
+            <a:pPr lvl="1">
+              <a:buFont typeface="Arial" panose="020B0604020202020204" pitchFamily="34" charset="0"/>
+              <a:buChar char="•"/>
+            </a:pPr>
+            <a:r>
+              <a:rPr lang="en-US" dirty="0"/>
+              <a:t>NMEA 2000</a:t>
+            </a:r>
+          </a:p>
+          <a:p>
+            <a:r>
+              <a:rPr lang="en-US" dirty="0"/>
+              <a:t>NMEA 200 commonly called N2K, used a single cable called a “backbone” replaces all of the wiring of up to 50 NMEA 0183 interconnections and can handle the data content of between 50 and 100 NMEA 0183 data streams.</a:t>
+            </a:r>
+          </a:p>
+          <a:p>
+            <a:r>
+              <a:rPr lang="en-US" dirty="0"/>
+              <a:t>N2K network multiple “talkers” and “listeners” communicate data back and forth.</a:t>
+            </a:r>
+          </a:p>
+          <a:p>
+            <a:r>
+              <a:rPr lang="en-US" dirty="0"/>
+              <a:t>NMEA 2000 network accommodates navigation equipment, electrical power generation and distribution systems, engines and other machinery, piloting and steering systems, fire and other alarms, controls and more.</a:t>
+            </a:r>
+          </a:p>
+          <a:p>
+            <a:r>
+              <a:rPr lang="en-US" dirty="0"/>
+              <a:t>NMEA 2000 Data, commands, and status all share the same cable at speeds that are 26 times greater then the NMEA 0183 serial interface </a:t>
+            </a:r>
+          </a:p>
+          <a:p>
+            <a:r>
+              <a:rPr lang="en-US" dirty="0"/>
+              <a:t>NMEA 0183 is a combined electrical and data specification for communication between marine electronics such as echo sounder, sonars, anemometer,</a:t>
+            </a:r>
+            <a:br>
+              <a:rPr lang="en-US" dirty="0"/>
+            </a:br>
+            <a:r>
+              <a:rPr lang="en-US" dirty="0"/>
+              <a:t>gyrocompass, autopilot, GPS receivers and many other types of instruments.</a:t>
+            </a:r>
+          </a:p>
+          <a:p>
+            <a:r>
+              <a:rPr lang="en-US" dirty="0"/>
+              <a:t>The NMEA 0183 standard uses a simple ASCII, serial communications protocol that defines how data are transmitted in a “sentence” from one “talker” to multiple “listeners” at a time.</a:t>
+            </a:r>
+          </a:p>
+        </p:txBody>
+      </p:sp>
+    </p:spTree>
+    <p:extLst>
+      <p:ext uri="{BB962C8B-B14F-4D97-AF65-F5344CB8AC3E}">
+        <p14:creationId xmlns:p14="http://schemas.microsoft.com/office/powerpoint/2010/main" val="3924377825"/>
+      </p:ext>
+    </p:extLst>
+  </p:cSld>
+  <p:clrMapOvr>
+    <a:masterClrMapping/>
+  </p:clrMapOvr>
+  <mc:AlternateContent xmlns:mc="http://schemas.openxmlformats.org/markup-compatibility/2006" xmlns:p14="http://schemas.microsoft.com/office/powerpoint/2010/main">
+    <mc:Choice Requires="p14">
+      <p:transition spd="med" p14:dur="700">
+        <p:fade/>
+      </p:transition>
+    </mc:Choice>
+    <mc:Fallback xmlns="">
+      <p:transition spd="med">
+        <p:fade/>
+      </p:transition>
+    </mc:Fallback>
+  </mc:AlternateContent>
+</p:sld>
+</file>
+
 <file path=ppt/slides/slide2.xml><?xml version="1.0" encoding="utf-8"?>
 <p:sld xmlns:a="http://schemas.openxmlformats.org/drawingml/2006/main" xmlns:r="http://schemas.openxmlformats.org/officeDocument/2006/relationships" xmlns:p="http://schemas.openxmlformats.org/presentationml/2006/main">
   <p:cSld>
@@ -4705,18 +4883,24 @@
         </p:nvSpPr>
         <p:spPr>
           <a:xfrm>
-            <a:off x="275269" y="1951051"/>
-            <a:ext cx="11407745" cy="4698323"/>
+            <a:off x="197437" y="1774066"/>
+            <a:ext cx="11797126" cy="5433597"/>
           </a:xfrm>
         </p:spPr>
         <p:txBody>
           <a:bodyPr>
-            <a:normAutofit fontScale="92500" lnSpcReduction="10000"/>
+            <a:normAutofit fontScale="77500" lnSpcReduction="20000"/>
           </a:bodyPr>
           <a:lstStyle/>
           <a:p>
             <a:r>
               <a:rPr lang="en-US" dirty="0"/>
+              <a:t>Commonly used in process and factory automation.</a:t>
+            </a:r>
+          </a:p>
+          <a:p>
+            <a:r>
+              <a:rPr lang="en-US" dirty="0"/>
               <a:t>Transmitting information between electronic devices over serial lines (original version) or via the Ethernet.</a:t>
             </a:r>
           </a:p>
@@ -4736,6 +4920,12 @@
             <a:r>
               <a:rPr lang="en-US" dirty="0"/>
               <a:t>Modbus serial uses RS-232 and RS-485 wiring for collecting data from Modbus slaves.</a:t>
+            </a:r>
+          </a:p>
+          <a:p>
+            <a:r>
+              <a:rPr lang="en-US" dirty="0"/>
+              <a:t>Star topology with Modbus RTU (RS485) networks.</a:t>
             </a:r>
           </a:p>
           <a:p>
@@ -4757,7 +4947,19 @@
           <a:p>
             <a:r>
               <a:rPr lang="en-US" dirty="0"/>
-              <a:t>Commonly used in process and factory automation.</a:t>
+              <a:t>Data is transmitted in 8-bit bytes, one bit at a time.</a:t>
+            </a:r>
+          </a:p>
+          <a:p>
+            <a:r>
+              <a:rPr lang="en-US" dirty="0"/>
+              <a:t>In theory Modbus TCP/IP carries data at up to 250/(250+70+70) or about 60 percent efficiency when transferring registers in bulk.</a:t>
+            </a:r>
+          </a:p>
+          <a:p>
+            <a:r>
+              <a:rPr lang="en-US" dirty="0"/>
+              <a:t>Using security appliances or firewalls specifically designed for Modbus with deep packet inspection, such as those available from Tofino Security.</a:t>
             </a:r>
           </a:p>
           <a:p>
@@ -4765,18 +4967,6 @@
               <a:rPr lang="en-US" dirty="0"/>
               <a:t>Has error-detection capabilities such as parity, CRC/LRC and checksums as well as diagnostics from the slave/server or master/client interfaces.</a:t>
             </a:r>
-          </a:p>
-          <a:p>
-            <a:r>
-              <a:rPr lang="en-US" dirty="0"/>
-              <a:t>Using security appliances or firewalls specifically designed for Modbus with deep packet inspection, such as those available from Tofino Security.</a:t>
-            </a:r>
-          </a:p>
-          <a:p>
-            <a:endParaRPr lang="en-US" dirty="0"/>
-          </a:p>
-          <a:p>
-            <a:endParaRPr lang="en-US" dirty="0"/>
           </a:p>
           <a:p>
             <a:endParaRPr lang="en-MY" dirty="0"/>
